--- a/presentationalt.pptx
+++ b/presentationalt.pptx
@@ -1794,7 +1794,7 @@
         <p:spPr>
           <a:xfrm>
             <a:off x="483819" y="1841829"/>
-            <a:ext cx="8580755" cy="4234180"/>
+            <a:ext cx="8580755" cy="4242187"/>
           </a:xfrm>
           <a:prstGeom prst="rect">
             <a:avLst/>
@@ -1932,10 +1932,6 @@
               </a:rPr>
               <a:t>2</a:t>
             </a:r>
-            <a:endParaRPr sz="2000">
-              <a:latin typeface="Trebuchet MS"/>
-              <a:cs typeface="Trebuchet MS"/>
-            </a:endParaRPr>
           </a:p>
           <a:p>
             <a:pPr marL="241300">
@@ -2030,7 +2026,7 @@
               </a:rPr>
               <a:t>likvidálásával.</a:t>
             </a:r>
-            <a:endParaRPr sz="2000">
+            <a:endParaRPr sz="2000" dirty="0">
               <a:latin typeface="Trebuchet MS"/>
               <a:cs typeface="Trebuchet MS"/>
             </a:endParaRPr>
@@ -2204,7 +2200,7 @@
               </a:rPr>
               <a:t>segítségével.</a:t>
             </a:r>
-            <a:endParaRPr sz="2000">
+            <a:endParaRPr sz="2000" dirty="0">
               <a:latin typeface="Trebuchet MS"/>
               <a:cs typeface="Trebuchet MS"/>
             </a:endParaRPr>
@@ -2287,7 +2283,7 @@
               </a:rPr>
               <a:t>rendelkezik</a:t>
             </a:r>
-            <a:endParaRPr sz="2000">
+            <a:endParaRPr sz="2000" dirty="0">
               <a:latin typeface="Trebuchet MS"/>
               <a:cs typeface="Trebuchet MS"/>
             </a:endParaRPr>
@@ -2350,11 +2346,100 @@
               <a:t> </a:t>
             </a:r>
             <a:r>
+              <a:rPr sz="1800" spc="-5" dirty="0" err="1">
+                <a:latin typeface="Trebuchet MS"/>
+                <a:cs typeface="Trebuchet MS"/>
+              </a:rPr>
+              <a:t>tudja</a:t>
+            </a:r>
+            <a:r>
+              <a:rPr sz="1800" spc="-10" dirty="0">
+                <a:latin typeface="Trebuchet MS"/>
+                <a:cs typeface="Trebuchet MS"/>
+              </a:rPr>
+              <a:t> </a:t>
+            </a:r>
+            <a:r>
+              <a:rPr sz="1800" spc="-5" dirty="0" err="1" smtClean="0">
+                <a:latin typeface="Trebuchet MS"/>
+                <a:cs typeface="Trebuchet MS"/>
+              </a:rPr>
+              <a:t>csökkenteni</a:t>
+            </a:r>
+            <a:endParaRPr lang="hu-HU" sz="1800" spc="-5" dirty="0" smtClean="0">
+              <a:latin typeface="Trebuchet MS"/>
+              <a:cs typeface="Trebuchet MS"/>
+            </a:endParaRPr>
+          </a:p>
+          <a:p>
+            <a:pPr marL="698500" lvl="1" indent="-228600">
+              <a:lnSpc>
+                <a:spcPct val="100000"/>
+              </a:lnSpc>
+              <a:spcBef>
+                <a:spcPts val="235"/>
+              </a:spcBef>
+              <a:buFont typeface="Arial MT"/>
+              <a:buChar char="•"/>
+              <a:tabLst>
+                <a:tab pos="697865" algn="l"/>
+                <a:tab pos="698500" algn="l"/>
+              </a:tabLst>
+            </a:pPr>
+            <a:r>
+              <a:rPr lang="hu-HU" spc="-5" dirty="0">
+                <a:latin typeface="Trebuchet MS"/>
+                <a:cs typeface="Trebuchet MS"/>
+              </a:rPr>
+              <a:t>m</a:t>
+            </a:r>
+            <a:r>
+              <a:rPr lang="hu-HU" spc="-5" dirty="0" smtClean="0">
+                <a:latin typeface="Trebuchet MS"/>
+                <a:cs typeface="Trebuchet MS"/>
+              </a:rPr>
+              <a:t>inden tank különböző mennyiségű sebzést képes okozni</a:t>
+            </a:r>
+            <a:endParaRPr sz="1800" dirty="0">
+              <a:latin typeface="Trebuchet MS"/>
+              <a:cs typeface="Trebuchet MS"/>
+            </a:endParaRPr>
+          </a:p>
+          <a:p>
+            <a:pPr marL="698500" lvl="1" indent="-228600">
+              <a:lnSpc>
+                <a:spcPct val="100000"/>
+              </a:lnSpc>
+              <a:spcBef>
+                <a:spcPts val="219"/>
+              </a:spcBef>
+              <a:buFont typeface="Arial MT"/>
+              <a:buChar char="•"/>
+              <a:tabLst>
+                <a:tab pos="697865" algn="l"/>
+                <a:tab pos="698500" algn="l"/>
+              </a:tabLst>
+            </a:pPr>
+            <a:r>
+              <a:rPr sz="1800" spc="-5" dirty="0" smtClean="0">
+                <a:latin typeface="Trebuchet MS"/>
+                <a:cs typeface="Trebuchet MS"/>
+              </a:rPr>
+              <a:t>ha</a:t>
+            </a:r>
+            <a:r>
+              <a:rPr sz="1800" spc="-10" dirty="0" smtClean="0">
+                <a:latin typeface="Trebuchet MS"/>
+                <a:cs typeface="Trebuchet MS"/>
+              </a:rPr>
+              <a:t> </a:t>
+            </a:r>
+            <a:r>
               <a:rPr sz="1800" spc="-5" dirty="0">
                 <a:latin typeface="Trebuchet MS"/>
                 <a:cs typeface="Trebuchet MS"/>
               </a:rPr>
-              <a:t>tudja</a:t>
+              <a:t>az</a:t>
             </a:r>
             <a:r>
               <a:rPr sz="1800" spc="-10" dirty="0">
@@ -2368,9 +2453,86 @@
                 <a:latin typeface="Trebuchet MS"/>
                 <a:cs typeface="Trebuchet MS"/>
               </a:rPr>
-              <a:t>csökkenteni</a:t>
-            </a:r>
-            <a:endParaRPr sz="1800">
+              <a:t>életerő</a:t>
+            </a:r>
+            <a:r>
+              <a:rPr sz="1800" spc="-10" dirty="0">
+                <a:latin typeface="Trebuchet MS"/>
+                <a:cs typeface="Trebuchet MS"/>
+              </a:rPr>
+              <a:t> </a:t>
+            </a:r>
+            <a:r>
+              <a:rPr sz="1800" spc="-5" dirty="0">
+                <a:latin typeface="Trebuchet MS"/>
+                <a:cs typeface="Trebuchet MS"/>
+              </a:rPr>
+              <a:t>eléri</a:t>
+            </a:r>
+            <a:r>
+              <a:rPr sz="1800" dirty="0">
+                <a:latin typeface="Trebuchet MS"/>
+                <a:cs typeface="Trebuchet MS"/>
+              </a:rPr>
+              <a:t> a</a:t>
+            </a:r>
+            <a:r>
+              <a:rPr sz="1800" spc="-10" dirty="0">
+                <a:latin typeface="Trebuchet MS"/>
+                <a:cs typeface="Trebuchet MS"/>
+              </a:rPr>
+              <a:t> </a:t>
+            </a:r>
+            <a:r>
+              <a:rPr sz="1800" spc="-5" dirty="0">
+                <a:latin typeface="Trebuchet MS"/>
+                <a:cs typeface="Trebuchet MS"/>
+              </a:rPr>
+              <a:t>nullát,</a:t>
+            </a:r>
+            <a:r>
+              <a:rPr sz="1800" spc="-15" dirty="0">
+                <a:latin typeface="Trebuchet MS"/>
+                <a:cs typeface="Trebuchet MS"/>
+              </a:rPr>
+              <a:t> </a:t>
+            </a:r>
+            <a:r>
+              <a:rPr sz="1800" dirty="0">
+                <a:latin typeface="Trebuchet MS"/>
+                <a:cs typeface="Trebuchet MS"/>
+              </a:rPr>
+              <a:t>a</a:t>
+            </a:r>
+            <a:r>
+              <a:rPr sz="1800" spc="-10" dirty="0">
+                <a:latin typeface="Trebuchet MS"/>
+                <a:cs typeface="Trebuchet MS"/>
+              </a:rPr>
+              <a:t> </a:t>
+            </a:r>
+            <a:r>
+              <a:rPr sz="1800" spc="-5" dirty="0">
+                <a:latin typeface="Trebuchet MS"/>
+                <a:cs typeface="Trebuchet MS"/>
+              </a:rPr>
+              <a:t>játéknak</a:t>
+            </a:r>
+            <a:r>
+              <a:rPr sz="1800" spc="10" dirty="0">
+                <a:latin typeface="Trebuchet MS"/>
+                <a:cs typeface="Trebuchet MS"/>
+              </a:rPr>
+              <a:t> </a:t>
+            </a:r>
+            <a:r>
+              <a:rPr sz="1800" spc="-5" dirty="0">
+                <a:latin typeface="Trebuchet MS"/>
+                <a:cs typeface="Trebuchet MS"/>
+              </a:rPr>
+              <a:t>vége</a:t>
+            </a:r>
+            <a:endParaRPr sz="1800" dirty="0">
               <a:latin typeface="Trebuchet MS"/>
               <a:cs typeface="Trebuchet MS"/>
             </a:endParaRPr>
@@ -2395,41 +2557,41 @@
                 <a:latin typeface="Trebuchet MS"/>
                 <a:cs typeface="Trebuchet MS"/>
               </a:rPr>
-              <a:t>minden</a:t>
+              <a:t>az</a:t>
+            </a:r>
+            <a:r>
+              <a:rPr sz="1800" spc="-10" dirty="0">
+                <a:latin typeface="Trebuchet MS"/>
+                <a:cs typeface="Trebuchet MS"/>
+              </a:rPr>
+              <a:t> </a:t>
             </a:r>
             <a:r>
               <a:rPr sz="1800" dirty="0">
                 <a:latin typeface="Trebuchet MS"/>
                 <a:cs typeface="Trebuchet MS"/>
               </a:rPr>
-              <a:t> élet</a:t>
+              <a:t>a</a:t>
+            </a:r>
+            <a:r>
+              <a:rPr sz="1800" spc="-15" dirty="0">
+                <a:latin typeface="Trebuchet MS"/>
+                <a:cs typeface="Trebuchet MS"/>
+              </a:rPr>
+              <a:t> </a:t>
             </a:r>
             <a:r>
               <a:rPr sz="1800" spc="-5" dirty="0">
                 <a:latin typeface="Trebuchet MS"/>
                 <a:cs typeface="Trebuchet MS"/>
               </a:rPr>
-              <a:t> két</a:t>
-            </a:r>
-            <a:r>
-              <a:rPr sz="1800" spc="5" dirty="0">
-                <a:latin typeface="Trebuchet MS"/>
-                <a:cs typeface="Trebuchet MS"/>
-              </a:rPr>
-              <a:t> </a:t>
+              <a:t>játékos nyer</a:t>
             </a:r>
             <a:r>
               <a:rPr sz="1800" spc="-10" dirty="0">
                 <a:latin typeface="Trebuchet MS"/>
                 <a:cs typeface="Trebuchet MS"/>
               </a:rPr>
-              <a:t>találatot</a:t>
-            </a:r>
-            <a:r>
-              <a:rPr sz="1800" spc="5" dirty="0">
-                <a:latin typeface="Trebuchet MS"/>
-                <a:cs typeface="Trebuchet MS"/>
-              </a:rPr>
               <a:t> </a:t>
             </a:r>
             <a:r>
@@ -2437,79 +2599,85 @@
                 <a:latin typeface="Trebuchet MS"/>
                 <a:cs typeface="Trebuchet MS"/>
               </a:rPr>
-              <a:t>engedélyez,</a:t>
+              <a:t>amelyik előbb</a:t>
+            </a:r>
+            <a:r>
+              <a:rPr sz="1800" spc="-25" dirty="0">
+                <a:latin typeface="Trebuchet MS"/>
+                <a:cs typeface="Trebuchet MS"/>
+              </a:rPr>
+              <a:t> </a:t>
             </a:r>
             <a:r>
               <a:rPr sz="1800" dirty="0">
                 <a:latin typeface="Trebuchet MS"/>
                 <a:cs typeface="Trebuchet MS"/>
               </a:rPr>
-              <a:t> </a:t>
+              <a:t>likvidálja</a:t>
             </a:r>
             <a:r>
               <a:rPr sz="1800" spc="-5" dirty="0">
                 <a:latin typeface="Trebuchet MS"/>
                 <a:cs typeface="Trebuchet MS"/>
               </a:rPr>
-              <a:t>harmadiknál</a:t>
-            </a:r>
-            <a:r>
-              <a:rPr sz="1800" dirty="0">
-                <a:latin typeface="Trebuchet MS"/>
-                <a:cs typeface="Trebuchet MS"/>
-              </a:rPr>
-              <a:t> </a:t>
-            </a:r>
-            <a:r>
-              <a:rPr sz="1800" spc="-5" dirty="0">
-                <a:latin typeface="Trebuchet MS"/>
-                <a:cs typeface="Trebuchet MS"/>
-              </a:rPr>
-              <a:t>egy</a:t>
-            </a:r>
-            <a:r>
-              <a:rPr sz="1800" dirty="0">
-                <a:latin typeface="Trebuchet MS"/>
-                <a:cs typeface="Trebuchet MS"/>
-              </a:rPr>
-              <a:t> </a:t>
-            </a:r>
-            <a:r>
-              <a:rPr sz="1800" spc="-5" dirty="0">
-                <a:latin typeface="Trebuchet MS"/>
-                <a:cs typeface="Trebuchet MS"/>
-              </a:rPr>
-              <a:t>élet</a:t>
-            </a:r>
-            <a:r>
-              <a:rPr sz="1800" spc="5" dirty="0">
-                <a:latin typeface="Trebuchet MS"/>
-                <a:cs typeface="Trebuchet MS"/>
-              </a:rPr>
-              <a:t> </a:t>
-            </a:r>
-            <a:r>
-              <a:rPr sz="1800" spc="-5" dirty="0">
-                <a:latin typeface="Trebuchet MS"/>
-                <a:cs typeface="Trebuchet MS"/>
-              </a:rPr>
-              <a:t>levonásra</a:t>
-            </a:r>
-            <a:r>
-              <a:rPr sz="1800" spc="10" dirty="0">
-                <a:latin typeface="Trebuchet MS"/>
-                <a:cs typeface="Trebuchet MS"/>
-              </a:rPr>
-              <a:t> </a:t>
-            </a:r>
-            <a:r>
-              <a:rPr sz="1800" spc="-5" dirty="0">
-                <a:latin typeface="Trebuchet MS"/>
-                <a:cs typeface="Trebuchet MS"/>
-              </a:rPr>
-              <a:t>kerül</a:t>
-            </a:r>
-            <a:endParaRPr sz="1800">
+              <a:t> ellenfelét</a:t>
+            </a:r>
+            <a:endParaRPr sz="1800" dirty="0">
+              <a:latin typeface="Trebuchet MS"/>
+              <a:cs typeface="Trebuchet MS"/>
+            </a:endParaRPr>
+          </a:p>
+          <a:p>
+            <a:pPr marL="241300" indent="-228600">
+              <a:lnSpc>
+                <a:spcPct val="100000"/>
+              </a:lnSpc>
+              <a:spcBef>
+                <a:spcPts val="1220"/>
+              </a:spcBef>
+              <a:buFont typeface="Arial MT"/>
+              <a:buChar char="•"/>
+              <a:tabLst>
+                <a:tab pos="240665" algn="l"/>
+                <a:tab pos="241300" algn="l"/>
+              </a:tabLst>
+            </a:pPr>
+            <a:r>
+              <a:rPr sz="2000" spc="-5" dirty="0">
+                <a:latin typeface="Trebuchet MS"/>
+                <a:cs typeface="Trebuchet MS"/>
+              </a:rPr>
+              <a:t>Irányítás</a:t>
+            </a:r>
+            <a:r>
+              <a:rPr sz="2000" spc="-20" dirty="0">
+                <a:latin typeface="Trebuchet MS"/>
+                <a:cs typeface="Trebuchet MS"/>
+              </a:rPr>
+              <a:t> </a:t>
+            </a:r>
+            <a:r>
+              <a:rPr sz="2000" spc="-5" dirty="0">
+                <a:latin typeface="Trebuchet MS"/>
+                <a:cs typeface="Trebuchet MS"/>
+              </a:rPr>
+              <a:t>billentyűzet</a:t>
+            </a:r>
+            <a:r>
+              <a:rPr sz="2000" spc="-50" dirty="0">
+                <a:latin typeface="Trebuchet MS"/>
+                <a:cs typeface="Trebuchet MS"/>
+              </a:rPr>
+              <a:t> </a:t>
+            </a:r>
+            <a:r>
+              <a:rPr sz="2000" spc="-5" dirty="0">
+                <a:latin typeface="Trebuchet MS"/>
+                <a:cs typeface="Trebuchet MS"/>
+              </a:rPr>
+              <a:t>segítségével</a:t>
+            </a:r>
+            <a:endParaRPr sz="2000" dirty="0">
               <a:latin typeface="Trebuchet MS"/>
               <a:cs typeface="Trebuchet MS"/>
             </a:endParaRPr>
@@ -2520,7 +2688,7 @@
                 <a:spcPct val="100000"/>
               </a:lnSpc>
               <a:spcBef>
-                <a:spcPts val="219"/>
+                <a:spcPts val="245"/>
               </a:spcBef>
               <a:buFont typeface="Arial MT"/>
               <a:buChar char="•"/>
@@ -2530,11 +2698,25 @@
               </a:tabLst>
             </a:pPr>
             <a:r>
+              <a:rPr sz="1800" dirty="0">
+                <a:latin typeface="Trebuchet MS"/>
+                <a:cs typeface="Trebuchet MS"/>
+              </a:rPr>
+              <a:t>Kék</a:t>
+            </a:r>
+            <a:r>
+              <a:rPr sz="1800" spc="5" dirty="0">
+                <a:latin typeface="Trebuchet MS"/>
+                <a:cs typeface="Trebuchet MS"/>
+              </a:rPr>
+              <a:t> </a:t>
+            </a:r>
+            <a:r>
               <a:rPr sz="1800" spc="-5" dirty="0">
                 <a:latin typeface="Trebuchet MS"/>
                 <a:cs typeface="Trebuchet MS"/>
               </a:rPr>
-              <a:t>ha</a:t>
+              <a:t>játékos -&gt;</a:t>
             </a:r>
             <a:r>
               <a:rPr sz="1800" spc="-10" dirty="0">
@@ -2548,100 +2730,23 @@
                 <a:latin typeface="Trebuchet MS"/>
                 <a:cs typeface="Trebuchet MS"/>
               </a:rPr>
-              <a:t>az</a:t>
-            </a:r>
-            <a:r>
-              <a:rPr sz="1800" spc="-10" dirty="0">
-                <a:latin typeface="Trebuchet MS"/>
-                <a:cs typeface="Trebuchet MS"/>
-              </a:rPr>
-              <a:t> </a:t>
+              <a:t>Fel-le-jobbra-balra nyilak </a:t>
+            </a:r>
+            <a:r>
+              <a:rPr sz="1800" dirty="0">
+                <a:latin typeface="Trebuchet MS"/>
+                <a:cs typeface="Trebuchet MS"/>
+              </a:rPr>
+              <a:t>+</a:t>
             </a:r>
             <a:r>
               <a:rPr sz="1800" spc="-5" dirty="0">
                 <a:latin typeface="Trebuchet MS"/>
                 <a:cs typeface="Trebuchet MS"/>
               </a:rPr>
-              <a:t>életerő</a:t>
-            </a:r>
-            <a:r>
-              <a:rPr sz="1800" spc="-10" dirty="0">
-                <a:latin typeface="Trebuchet MS"/>
-                <a:cs typeface="Trebuchet MS"/>
-              </a:rPr>
-              <a:t> </a:t>
-            </a:r>
-            <a:r>
-              <a:rPr sz="1800" spc="-5" dirty="0">
-                <a:latin typeface="Trebuchet MS"/>
-                <a:cs typeface="Trebuchet MS"/>
-              </a:rPr>
-              <a:t>eléri</a:t>
-            </a:r>
-            <a:r>
-              <a:rPr sz="1800" dirty="0">
-                <a:latin typeface="Trebuchet MS"/>
-                <a:cs typeface="Trebuchet MS"/>
-              </a:rPr>
-              <a:t> a</a:t>
-            </a:r>
-            <a:r>
-              <a:rPr sz="1800" spc="-10" dirty="0">
-                <a:latin typeface="Trebuchet MS"/>
-                <a:cs typeface="Trebuchet MS"/>
-              </a:rPr>
-              <a:t> </a:t>
-            </a:r>
-            <a:r>
-              <a:rPr sz="1800" spc="-5" dirty="0">
-                <a:latin typeface="Trebuchet MS"/>
-                <a:cs typeface="Trebuchet MS"/>
-              </a:rPr>
-              <a:t>nullát,</a:t>
-            </a:r>
-            <a:r>
-              <a:rPr sz="1800" spc="-15" dirty="0">
-                <a:latin typeface="Trebuchet MS"/>
-                <a:cs typeface="Trebuchet MS"/>
-              </a:rPr>
-              <a:t> </a:t>
-            </a:r>
-            <a:r>
-              <a:rPr sz="1800" dirty="0">
-                <a:latin typeface="Trebuchet MS"/>
-                <a:cs typeface="Trebuchet MS"/>
-              </a:rPr>
-              <a:t>a</a:t>
-            </a:r>
-            <a:r>
-              <a:rPr sz="1800" spc="-10" dirty="0">
-                <a:latin typeface="Trebuchet MS"/>
-                <a:cs typeface="Trebuchet MS"/>
-              </a:rPr>
-              <a:t> </a:t>
-            </a:r>
-            <a:r>
-              <a:rPr sz="1800" spc="-5" dirty="0">
-                <a:latin typeface="Trebuchet MS"/>
-                <a:cs typeface="Trebuchet MS"/>
-              </a:rPr>
-              <a:t>játéknak</a:t>
-            </a:r>
-            <a:r>
-              <a:rPr sz="1800" spc="10" dirty="0">
-                <a:latin typeface="Trebuchet MS"/>
-                <a:cs typeface="Trebuchet MS"/>
-              </a:rPr>
-              <a:t> </a:t>
-            </a:r>
-            <a:r>
-              <a:rPr sz="1800" spc="-5" dirty="0">
-                <a:latin typeface="Trebuchet MS"/>
-                <a:cs typeface="Trebuchet MS"/>
-              </a:rPr>
-              <a:t>vége</a:t>
-            </a:r>
-            <a:endParaRPr sz="1800">
+              <a:t> enter</a:t>
+            </a:r>
+            <a:endParaRPr sz="1800" dirty="0">
               <a:latin typeface="Trebuchet MS"/>
               <a:cs typeface="Trebuchet MS"/>
             </a:endParaRPr>
@@ -2662,11 +2767,32 @@
               </a:tabLst>
             </a:pPr>
             <a:r>
+              <a:rPr sz="1800" spc="-25" dirty="0">
+                <a:latin typeface="Trebuchet MS"/>
+                <a:cs typeface="Trebuchet MS"/>
+              </a:rPr>
+              <a:t>Piros</a:t>
+            </a:r>
+            <a:r>
+              <a:rPr sz="1800" spc="-20" dirty="0">
+                <a:latin typeface="Trebuchet MS"/>
+                <a:cs typeface="Trebuchet MS"/>
+              </a:rPr>
+              <a:t> </a:t>
+            </a:r>
+            <a:r>
               <a:rPr sz="1800" spc="-5" dirty="0">
                 <a:latin typeface="Trebuchet MS"/>
                 <a:cs typeface="Trebuchet MS"/>
               </a:rPr>
-              <a:t>az</a:t>
+              <a:t>játékos -&gt; </a:t>
+            </a:r>
+            <a:r>
+              <a:rPr sz="1800" spc="-45" dirty="0">
+                <a:latin typeface="Trebuchet MS"/>
+                <a:cs typeface="Trebuchet MS"/>
+              </a:rPr>
+              <a:t>WASD</a:t>
             </a:r>
             <a:r>
               <a:rPr sz="1800" spc="-10" dirty="0">
@@ -2680,10 +2806,10 @@
                 <a:latin typeface="Trebuchet MS"/>
                 <a:cs typeface="Trebuchet MS"/>
               </a:rPr>
-              <a:t>a</a:t>
-            </a:r>
-            <a:r>
-              <a:rPr sz="1800" spc="-15" dirty="0">
+              <a:t>+</a:t>
+            </a:r>
+            <a:r>
+              <a:rPr sz="1800" spc="-10" dirty="0">
                 <a:latin typeface="Trebuchet MS"/>
                 <a:cs typeface="Trebuchet MS"/>
               </a:rPr>
@@ -2694,244 +2820,9 @@
                 <a:latin typeface="Trebuchet MS"/>
                 <a:cs typeface="Trebuchet MS"/>
               </a:rPr>
-              <a:t>játékos nyer</a:t>
-            </a:r>
-            <a:r>
-              <a:rPr sz="1800" spc="-10" dirty="0">
-                <a:latin typeface="Trebuchet MS"/>
-                <a:cs typeface="Trebuchet MS"/>
-              </a:rPr>
-              <a:t> </a:t>
-            </a:r>
-            <a:r>
-              <a:rPr sz="1800" spc="-5" dirty="0">
-                <a:latin typeface="Trebuchet MS"/>
-                <a:cs typeface="Trebuchet MS"/>
-              </a:rPr>
-              <a:t>amelyik előbb</a:t>
-            </a:r>
-            <a:r>
-              <a:rPr sz="1800" spc="-25" dirty="0">
-                <a:latin typeface="Trebuchet MS"/>
-                <a:cs typeface="Trebuchet MS"/>
-              </a:rPr>
-              <a:t> </a:t>
-            </a:r>
-            <a:r>
-              <a:rPr sz="1800" dirty="0">
-                <a:latin typeface="Trebuchet MS"/>
-                <a:cs typeface="Trebuchet MS"/>
-              </a:rPr>
-              <a:t>likvidálja</a:t>
-            </a:r>
-            <a:r>
-              <a:rPr sz="1800" spc="-5" dirty="0">
-                <a:latin typeface="Trebuchet MS"/>
-                <a:cs typeface="Trebuchet MS"/>
-              </a:rPr>
-              <a:t> ellenfelét</a:t>
-            </a:r>
-            <a:endParaRPr sz="1800">
-              <a:latin typeface="Trebuchet MS"/>
-              <a:cs typeface="Trebuchet MS"/>
-            </a:endParaRPr>
-          </a:p>
-          <a:p>
-            <a:pPr marL="241300" indent="-228600">
-              <a:lnSpc>
-                <a:spcPct val="100000"/>
-              </a:lnSpc>
-              <a:spcBef>
-                <a:spcPts val="1220"/>
-              </a:spcBef>
-              <a:buFont typeface="Arial MT"/>
-              <a:buChar char="•"/>
-              <a:tabLst>
-                <a:tab pos="240665" algn="l"/>
-                <a:tab pos="241300" algn="l"/>
-              </a:tabLst>
-            </a:pPr>
-            <a:r>
-              <a:rPr sz="2000" spc="-5" dirty="0">
-                <a:latin typeface="Trebuchet MS"/>
-                <a:cs typeface="Trebuchet MS"/>
-              </a:rPr>
-              <a:t>Irányítás</a:t>
-            </a:r>
-            <a:r>
-              <a:rPr sz="2000" spc="-20" dirty="0">
-                <a:latin typeface="Trebuchet MS"/>
-                <a:cs typeface="Trebuchet MS"/>
-              </a:rPr>
-              <a:t> </a:t>
-            </a:r>
-            <a:r>
-              <a:rPr sz="2000" spc="-5" dirty="0">
-                <a:latin typeface="Trebuchet MS"/>
-                <a:cs typeface="Trebuchet MS"/>
-              </a:rPr>
-              <a:t>billentyűzet</a:t>
-            </a:r>
-            <a:r>
-              <a:rPr sz="2000" spc="-50" dirty="0">
-                <a:latin typeface="Trebuchet MS"/>
-                <a:cs typeface="Trebuchet MS"/>
-              </a:rPr>
-              <a:t> </a:t>
-            </a:r>
-            <a:r>
-              <a:rPr sz="2000" spc="-5" dirty="0">
-                <a:latin typeface="Trebuchet MS"/>
-                <a:cs typeface="Trebuchet MS"/>
-              </a:rPr>
-              <a:t>segítségével</a:t>
-            </a:r>
-            <a:endParaRPr sz="2000">
-              <a:latin typeface="Trebuchet MS"/>
-              <a:cs typeface="Trebuchet MS"/>
-            </a:endParaRPr>
-          </a:p>
-          <a:p>
-            <a:pPr marL="698500" lvl="1" indent="-228600">
-              <a:lnSpc>
-                <a:spcPct val="100000"/>
-              </a:lnSpc>
-              <a:spcBef>
-                <a:spcPts val="245"/>
-              </a:spcBef>
-              <a:buFont typeface="Arial MT"/>
-              <a:buChar char="•"/>
-              <a:tabLst>
-                <a:tab pos="697865" algn="l"/>
-                <a:tab pos="698500" algn="l"/>
-              </a:tabLst>
-            </a:pPr>
-            <a:r>
-              <a:rPr sz="1800" dirty="0">
-                <a:latin typeface="Trebuchet MS"/>
-                <a:cs typeface="Trebuchet MS"/>
-              </a:rPr>
-              <a:t>Kék</a:t>
-            </a:r>
-            <a:r>
-              <a:rPr sz="1800" spc="5" dirty="0">
-                <a:latin typeface="Trebuchet MS"/>
-                <a:cs typeface="Trebuchet MS"/>
-              </a:rPr>
-              <a:t> </a:t>
-            </a:r>
-            <a:r>
-              <a:rPr sz="1800" spc="-5" dirty="0">
-                <a:latin typeface="Trebuchet MS"/>
-                <a:cs typeface="Trebuchet MS"/>
-              </a:rPr>
-              <a:t>játékos -&gt;</a:t>
-            </a:r>
-            <a:r>
-              <a:rPr sz="1800" spc="-10" dirty="0">
-                <a:latin typeface="Trebuchet MS"/>
-                <a:cs typeface="Trebuchet MS"/>
-              </a:rPr>
-              <a:t> </a:t>
-            </a:r>
-            <a:r>
-              <a:rPr sz="1800" spc="-5" dirty="0">
-                <a:latin typeface="Trebuchet MS"/>
-                <a:cs typeface="Trebuchet MS"/>
-              </a:rPr>
-              <a:t>Fel-le-jobbra-balra nyilak </a:t>
-            </a:r>
-            <a:r>
-              <a:rPr sz="1800" dirty="0">
-                <a:latin typeface="Trebuchet MS"/>
-                <a:cs typeface="Trebuchet MS"/>
-              </a:rPr>
-              <a:t>+</a:t>
-            </a:r>
-            <a:r>
-              <a:rPr sz="1800" spc="-5" dirty="0">
-                <a:latin typeface="Trebuchet MS"/>
-                <a:cs typeface="Trebuchet MS"/>
-              </a:rPr>
-              <a:t> enter</a:t>
-            </a:r>
-            <a:endParaRPr sz="1800">
-              <a:latin typeface="Trebuchet MS"/>
-              <a:cs typeface="Trebuchet MS"/>
-            </a:endParaRPr>
-          </a:p>
-          <a:p>
-            <a:pPr marL="698500" lvl="1" indent="-228600">
-              <a:lnSpc>
-                <a:spcPct val="100000"/>
-              </a:lnSpc>
-              <a:spcBef>
-                <a:spcPts val="215"/>
-              </a:spcBef>
-              <a:buFont typeface="Arial MT"/>
-              <a:buChar char="•"/>
-              <a:tabLst>
-                <a:tab pos="697865" algn="l"/>
-                <a:tab pos="698500" algn="l"/>
-              </a:tabLst>
-            </a:pPr>
-            <a:r>
-              <a:rPr sz="1800" spc="-25" dirty="0">
-                <a:latin typeface="Trebuchet MS"/>
-                <a:cs typeface="Trebuchet MS"/>
-              </a:rPr>
-              <a:t>Piros</a:t>
-            </a:r>
-            <a:r>
-              <a:rPr sz="1800" spc="-20" dirty="0">
-                <a:latin typeface="Trebuchet MS"/>
-                <a:cs typeface="Trebuchet MS"/>
-              </a:rPr>
-              <a:t> </a:t>
-            </a:r>
-            <a:r>
-              <a:rPr sz="1800" spc="-5" dirty="0">
-                <a:latin typeface="Trebuchet MS"/>
-                <a:cs typeface="Trebuchet MS"/>
-              </a:rPr>
-              <a:t>játékos -&gt; </a:t>
-            </a:r>
-            <a:r>
-              <a:rPr sz="1800" spc="-45" dirty="0">
-                <a:latin typeface="Trebuchet MS"/>
-                <a:cs typeface="Trebuchet MS"/>
-              </a:rPr>
-              <a:t>WASD</a:t>
-            </a:r>
-            <a:r>
-              <a:rPr sz="1800" spc="-10" dirty="0">
-                <a:latin typeface="Trebuchet MS"/>
-                <a:cs typeface="Trebuchet MS"/>
-              </a:rPr>
-              <a:t> </a:t>
-            </a:r>
-            <a:r>
-              <a:rPr sz="1800" dirty="0">
-                <a:latin typeface="Trebuchet MS"/>
-                <a:cs typeface="Trebuchet MS"/>
-              </a:rPr>
-              <a:t>+</a:t>
-            </a:r>
-            <a:r>
-              <a:rPr sz="1800" spc="-10" dirty="0">
-                <a:latin typeface="Trebuchet MS"/>
-                <a:cs typeface="Trebuchet MS"/>
-              </a:rPr>
-              <a:t> </a:t>
-            </a:r>
-            <a:r>
-              <a:rPr sz="1800" spc="-5" dirty="0">
-                <a:latin typeface="Trebuchet MS"/>
-                <a:cs typeface="Trebuchet MS"/>
-              </a:rPr>
               <a:t>space</a:t>
             </a:r>
-            <a:endParaRPr sz="1800">
+            <a:endParaRPr sz="1800" dirty="0">
               <a:latin typeface="Trebuchet MS"/>
               <a:cs typeface="Trebuchet MS"/>
             </a:endParaRPr>
